--- a/Ex1/ML_Group8_Presentation.pptx
+++ b/Ex1/ML_Group8_Presentation.pptx
@@ -1127,7 +1127,7 @@
   <p:cSld>
     <p:spTree>
       <p:nvGrpSpPr>
-        <p:cNvPr id="379" name="Shape 379"/>
+        <p:cNvPr id="378" name="Shape 378"/>
         <p:cNvGrpSpPr/>
         <p:nvPr/>
       </p:nvGrpSpPr>
@@ -1141,7 +1141,7 @@
       </p:grpSpPr>
       <p:sp>
         <p:nvSpPr>
-          <p:cNvPr id="380" name="Google Shape;380;gab49096e22_7_87:notes"/>
+          <p:cNvPr id="379" name="Google Shape;379;gab49096e22_7_87:notes"/>
           <p:cNvSpPr/>
           <p:nvPr>
             <p:ph idx="2" type="sldImg"/>
@@ -1176,7 +1176,7 @@
       </p:sp>
       <p:sp>
         <p:nvSpPr>
-          <p:cNvPr id="381" name="Google Shape;381;gab49096e22_7_87:notes"/>
+          <p:cNvPr id="380" name="Google Shape;380;gab49096e22_7_87:notes"/>
           <p:cNvSpPr txBox="1"/>
           <p:nvPr>
             <p:ph idx="1" type="body"/>
@@ -1226,7 +1226,7 @@
   <p:cSld>
     <p:spTree>
       <p:nvGrpSpPr>
-        <p:cNvPr id="387" name="Shape 387"/>
+        <p:cNvPr id="386" name="Shape 386"/>
         <p:cNvGrpSpPr/>
         <p:nvPr/>
       </p:nvGrpSpPr>
@@ -1240,7 +1240,7 @@
       </p:grpSpPr>
       <p:sp>
         <p:nvSpPr>
-          <p:cNvPr id="388" name="Google Shape;388;gab49096e22_7_113:notes"/>
+          <p:cNvPr id="387" name="Google Shape;387;gab49096e22_7_113:notes"/>
           <p:cNvSpPr/>
           <p:nvPr>
             <p:ph idx="2" type="sldImg"/>
@@ -1275,7 +1275,7 @@
       </p:sp>
       <p:sp>
         <p:nvSpPr>
-          <p:cNvPr id="389" name="Google Shape;389;gab49096e22_7_113:notes"/>
+          <p:cNvPr id="388" name="Google Shape;388;gab49096e22_7_113:notes"/>
           <p:cNvSpPr txBox="1"/>
           <p:nvPr>
             <p:ph idx="1" type="body"/>
@@ -1325,7 +1325,7 @@
   <p:cSld>
     <p:spTree>
       <p:nvGrpSpPr>
-        <p:cNvPr id="394" name="Shape 394"/>
+        <p:cNvPr id="393" name="Shape 393"/>
         <p:cNvGrpSpPr/>
         <p:nvPr/>
       </p:nvGrpSpPr>
@@ -1339,7 +1339,7 @@
       </p:grpSpPr>
       <p:sp>
         <p:nvSpPr>
-          <p:cNvPr id="395" name="Google Shape;395;gab49096e22_4_28:notes"/>
+          <p:cNvPr id="394" name="Google Shape;394;gab49096e22_4_28:notes"/>
           <p:cNvSpPr/>
           <p:nvPr>
             <p:ph idx="2" type="sldImg"/>
@@ -1374,7 +1374,7 @@
       </p:sp>
       <p:sp>
         <p:nvSpPr>
-          <p:cNvPr id="396" name="Google Shape;396;gab49096e22_4_28:notes"/>
+          <p:cNvPr id="395" name="Google Shape;395;gab49096e22_4_28:notes"/>
           <p:cNvSpPr txBox="1"/>
           <p:nvPr>
             <p:ph idx="1" type="body"/>
@@ -1424,7 +1424,7 @@
   <p:cSld>
     <p:spTree>
       <p:nvGrpSpPr>
-        <p:cNvPr id="399" name="Shape 399"/>
+        <p:cNvPr id="398" name="Shape 398"/>
         <p:cNvGrpSpPr/>
         <p:nvPr/>
       </p:nvGrpSpPr>
@@ -1438,7 +1438,7 @@
       </p:grpSpPr>
       <p:sp>
         <p:nvSpPr>
-          <p:cNvPr id="400" name="Google Shape;400;gab49096e22_4_32:notes"/>
+          <p:cNvPr id="399" name="Google Shape;399;gab49096e22_4_32:notes"/>
           <p:cNvSpPr/>
           <p:nvPr>
             <p:ph idx="2" type="sldImg"/>
@@ -1473,7 +1473,7 @@
       </p:sp>
       <p:sp>
         <p:nvSpPr>
-          <p:cNvPr id="401" name="Google Shape;401;gab49096e22_4_32:notes"/>
+          <p:cNvPr id="400" name="Google Shape;400;gab49096e22_4_32:notes"/>
           <p:cNvSpPr txBox="1"/>
           <p:nvPr>
             <p:ph idx="1" type="body"/>
@@ -1523,7 +1523,7 @@
   <p:cSld>
     <p:spTree>
       <p:nvGrpSpPr>
-        <p:cNvPr id="406" name="Shape 406"/>
+        <p:cNvPr id="405" name="Shape 405"/>
         <p:cNvGrpSpPr/>
         <p:nvPr/>
       </p:nvGrpSpPr>
@@ -1537,7 +1537,7 @@
       </p:grpSpPr>
       <p:sp>
         <p:nvSpPr>
-          <p:cNvPr id="407" name="Google Shape;407;gab49096e22_7_29:notes"/>
+          <p:cNvPr id="406" name="Google Shape;406;gab49096e22_7_29:notes"/>
           <p:cNvSpPr/>
           <p:nvPr>
             <p:ph idx="2" type="sldImg"/>
@@ -1572,7 +1572,7 @@
       </p:sp>
       <p:sp>
         <p:nvSpPr>
-          <p:cNvPr id="408" name="Google Shape;408;gab49096e22_7_29:notes"/>
+          <p:cNvPr id="407" name="Google Shape;407;gab49096e22_7_29:notes"/>
           <p:cNvSpPr txBox="1"/>
           <p:nvPr>
             <p:ph idx="1" type="body"/>
@@ -1622,7 +1622,7 @@
   <p:cSld>
     <p:spTree>
       <p:nvGrpSpPr>
-        <p:cNvPr id="414" name="Shape 414"/>
+        <p:cNvPr id="413" name="Shape 413"/>
         <p:cNvGrpSpPr/>
         <p:nvPr/>
       </p:nvGrpSpPr>
@@ -1636,7 +1636,7 @@
       </p:grpSpPr>
       <p:sp>
         <p:nvSpPr>
-          <p:cNvPr id="415" name="Google Shape;415;gab49096e22_7_47:notes"/>
+          <p:cNvPr id="414" name="Google Shape;414;gab49096e22_7_47:notes"/>
           <p:cNvSpPr/>
           <p:nvPr>
             <p:ph idx="2" type="sldImg"/>
@@ -1671,7 +1671,7 @@
       </p:sp>
       <p:sp>
         <p:nvSpPr>
-          <p:cNvPr id="416" name="Google Shape;416;gab49096e22_7_47:notes"/>
+          <p:cNvPr id="415" name="Google Shape;415;gab49096e22_7_47:notes"/>
           <p:cNvSpPr txBox="1"/>
           <p:nvPr>
             <p:ph idx="1" type="body"/>
@@ -1721,7 +1721,7 @@
   <p:cSld>
     <p:spTree>
       <p:nvGrpSpPr>
-        <p:cNvPr id="422" name="Shape 422"/>
+        <p:cNvPr id="421" name="Shape 421"/>
         <p:cNvGrpSpPr/>
         <p:nvPr/>
       </p:nvGrpSpPr>
@@ -1735,7 +1735,7 @@
       </p:grpSpPr>
       <p:sp>
         <p:nvSpPr>
-          <p:cNvPr id="423" name="Google Shape;423;gab49096e22_7_57:notes"/>
+          <p:cNvPr id="422" name="Google Shape;422;gab49096e22_7_57:notes"/>
           <p:cNvSpPr/>
           <p:nvPr>
             <p:ph idx="2" type="sldImg"/>
@@ -1770,7 +1770,7 @@
       </p:sp>
       <p:sp>
         <p:nvSpPr>
-          <p:cNvPr id="424" name="Google Shape;424;gab49096e22_7_57:notes"/>
+          <p:cNvPr id="423" name="Google Shape;423;gab49096e22_7_57:notes"/>
           <p:cNvSpPr txBox="1"/>
           <p:nvPr>
             <p:ph idx="1" type="body"/>
@@ -1919,7 +1919,7 @@
   <p:cSld>
     <p:spTree>
       <p:nvGrpSpPr>
-        <p:cNvPr id="430" name="Shape 430"/>
+        <p:cNvPr id="429" name="Shape 429"/>
         <p:cNvGrpSpPr/>
         <p:nvPr/>
       </p:nvGrpSpPr>
@@ -1933,7 +1933,7 @@
       </p:grpSpPr>
       <p:sp>
         <p:nvSpPr>
-          <p:cNvPr id="431" name="Google Shape;431;gab49096e22_4_19:notes"/>
+          <p:cNvPr id="430" name="Google Shape;430;gab49096e22_4_19:notes"/>
           <p:cNvSpPr/>
           <p:nvPr>
             <p:ph idx="2" type="sldImg"/>
@@ -1968,7 +1968,7 @@
       </p:sp>
       <p:sp>
         <p:nvSpPr>
-          <p:cNvPr id="432" name="Google Shape;432;gab49096e22_4_19:notes"/>
+          <p:cNvPr id="431" name="Google Shape;431;gab49096e22_4_19:notes"/>
           <p:cNvSpPr txBox="1"/>
           <p:nvPr>
             <p:ph idx="1" type="body"/>
@@ -2018,7 +2018,7 @@
   <p:cSld>
     <p:spTree>
       <p:nvGrpSpPr>
-        <p:cNvPr id="435" name="Shape 435"/>
+        <p:cNvPr id="434" name="Shape 434"/>
         <p:cNvGrpSpPr/>
         <p:nvPr/>
       </p:nvGrpSpPr>
@@ -2032,7 +2032,7 @@
       </p:grpSpPr>
       <p:sp>
         <p:nvSpPr>
-          <p:cNvPr id="436" name="Google Shape;436;gab5f73e2ad_2_2:notes"/>
+          <p:cNvPr id="435" name="Google Shape;435;gab5f73e2ad_2_2:notes"/>
           <p:cNvSpPr/>
           <p:nvPr>
             <p:ph idx="2" type="sldImg"/>
@@ -2067,7 +2067,7 @@
       </p:sp>
       <p:sp>
         <p:nvSpPr>
-          <p:cNvPr id="437" name="Google Shape;437;gab5f73e2ad_2_2:notes"/>
+          <p:cNvPr id="436" name="Google Shape;436;gab5f73e2ad_2_2:notes"/>
           <p:cNvSpPr txBox="1"/>
           <p:nvPr>
             <p:ph idx="1" type="body"/>
@@ -2117,7 +2117,7 @@
   <p:cSld>
     <p:spTree>
       <p:nvGrpSpPr>
-        <p:cNvPr id="442" name="Shape 442"/>
+        <p:cNvPr id="441" name="Shape 441"/>
         <p:cNvGrpSpPr/>
         <p:nvPr/>
       </p:nvGrpSpPr>
@@ -2131,7 +2131,7 @@
       </p:grpSpPr>
       <p:sp>
         <p:nvSpPr>
-          <p:cNvPr id="443" name="Google Shape;443;gab5f73e2ad_2_10:notes"/>
+          <p:cNvPr id="442" name="Google Shape;442;gab5f73e2ad_2_10:notes"/>
           <p:cNvSpPr/>
           <p:nvPr>
             <p:ph idx="2" type="sldImg"/>
@@ -2166,7 +2166,7 @@
       </p:sp>
       <p:sp>
         <p:nvSpPr>
-          <p:cNvPr id="444" name="Google Shape;444;gab5f73e2ad_2_10:notes"/>
+          <p:cNvPr id="443" name="Google Shape;443;gab5f73e2ad_2_10:notes"/>
           <p:cNvSpPr txBox="1"/>
           <p:nvPr>
             <p:ph idx="1" type="body"/>
@@ -2216,7 +2216,7 @@
   <p:cSld>
     <p:spTree>
       <p:nvGrpSpPr>
-        <p:cNvPr id="453" name="Shape 453"/>
+        <p:cNvPr id="452" name="Shape 452"/>
         <p:cNvGrpSpPr/>
         <p:nvPr/>
       </p:nvGrpSpPr>
@@ -2230,7 +2230,7 @@
       </p:grpSpPr>
       <p:sp>
         <p:nvSpPr>
-          <p:cNvPr id="454" name="Google Shape;454;gab5f73e2ad_2_23:notes"/>
+          <p:cNvPr id="453" name="Google Shape;453;gab5f73e2ad_2_23:notes"/>
           <p:cNvSpPr/>
           <p:nvPr>
             <p:ph idx="2" type="sldImg"/>
@@ -2265,7 +2265,7 @@
       </p:sp>
       <p:sp>
         <p:nvSpPr>
-          <p:cNvPr id="455" name="Google Shape;455;gab5f73e2ad_2_23:notes"/>
+          <p:cNvPr id="454" name="Google Shape;454;gab5f73e2ad_2_23:notes"/>
           <p:cNvSpPr txBox="1"/>
           <p:nvPr>
             <p:ph idx="1" type="body"/>
@@ -2315,7 +2315,7 @@
   <p:cSld>
     <p:spTree>
       <p:nvGrpSpPr>
-        <p:cNvPr id="460" name="Shape 460"/>
+        <p:cNvPr id="459" name="Shape 459"/>
         <p:cNvGrpSpPr/>
         <p:nvPr/>
       </p:nvGrpSpPr>
@@ -2329,7 +2329,7 @@
       </p:grpSpPr>
       <p:sp>
         <p:nvSpPr>
-          <p:cNvPr id="461" name="Google Shape;461;gab02052c77_3_10:notes"/>
+          <p:cNvPr id="460" name="Google Shape;460;gab02052c77_3_10:notes"/>
           <p:cNvSpPr/>
           <p:nvPr>
             <p:ph idx="2" type="sldImg"/>
@@ -2364,7 +2364,7 @@
       </p:sp>
       <p:sp>
         <p:nvSpPr>
-          <p:cNvPr id="462" name="Google Shape;462;gab02052c77_3_10:notes"/>
+          <p:cNvPr id="461" name="Google Shape;461;gab02052c77_3_10:notes"/>
           <p:cNvSpPr txBox="1"/>
           <p:nvPr>
             <p:ph idx="1" type="body"/>
@@ -2414,7 +2414,7 @@
   <p:cSld>
     <p:spTree>
       <p:nvGrpSpPr>
-        <p:cNvPr id="468" name="Shape 468"/>
+        <p:cNvPr id="467" name="Shape 467"/>
         <p:cNvGrpSpPr/>
         <p:nvPr/>
       </p:nvGrpSpPr>
@@ -2428,7 +2428,7 @@
       </p:grpSpPr>
       <p:sp>
         <p:nvSpPr>
-          <p:cNvPr id="469" name="Google Shape;469;gab02052c77_3_18:notes"/>
+          <p:cNvPr id="468" name="Google Shape;468;gab02052c77_3_18:notes"/>
           <p:cNvSpPr/>
           <p:nvPr>
             <p:ph idx="2" type="sldImg"/>
@@ -2463,7 +2463,7 @@
       </p:sp>
       <p:sp>
         <p:nvSpPr>
-          <p:cNvPr id="470" name="Google Shape;470;gab02052c77_3_18:notes"/>
+          <p:cNvPr id="469" name="Google Shape;469;gab02052c77_3_18:notes"/>
           <p:cNvSpPr txBox="1"/>
           <p:nvPr>
             <p:ph idx="1" type="body"/>
@@ -2513,7 +2513,7 @@
   <p:cSld>
     <p:spTree>
       <p:nvGrpSpPr>
-        <p:cNvPr id="476" name="Shape 476"/>
+        <p:cNvPr id="475" name="Shape 475"/>
         <p:cNvGrpSpPr/>
         <p:nvPr/>
       </p:nvGrpSpPr>
@@ -2527,7 +2527,7 @@
       </p:grpSpPr>
       <p:sp>
         <p:nvSpPr>
-          <p:cNvPr id="477" name="Google Shape;477;gab02052c77_3_30:notes"/>
+          <p:cNvPr id="476" name="Google Shape;476;gab02052c77_3_30:notes"/>
           <p:cNvSpPr/>
           <p:nvPr>
             <p:ph idx="2" type="sldImg"/>
@@ -2562,7 +2562,7 @@
       </p:sp>
       <p:sp>
         <p:nvSpPr>
-          <p:cNvPr id="478" name="Google Shape;478;gab02052c77_3_30:notes"/>
+          <p:cNvPr id="477" name="Google Shape;477;gab02052c77_3_30:notes"/>
           <p:cNvSpPr txBox="1"/>
           <p:nvPr>
             <p:ph idx="1" type="body"/>
@@ -2612,7 +2612,7 @@
   <p:cSld>
     <p:spTree>
       <p:nvGrpSpPr>
-        <p:cNvPr id="484" name="Shape 484"/>
+        <p:cNvPr id="483" name="Shape 483"/>
         <p:cNvGrpSpPr/>
         <p:nvPr/>
       </p:nvGrpSpPr>
@@ -2626,7 +2626,7 @@
       </p:grpSpPr>
       <p:sp>
         <p:nvSpPr>
-          <p:cNvPr id="485" name="Google Shape;485;gab02052c77_2_51:notes"/>
+          <p:cNvPr id="484" name="Google Shape;484;gab02052c77_2_51:notes"/>
           <p:cNvSpPr/>
           <p:nvPr>
             <p:ph idx="2" type="sldImg"/>
@@ -2661,7 +2661,7 @@
       </p:sp>
       <p:sp>
         <p:nvSpPr>
-          <p:cNvPr id="486" name="Google Shape;486;gab02052c77_2_51:notes"/>
+          <p:cNvPr id="485" name="Google Shape;485;gab02052c77_2_51:notes"/>
           <p:cNvSpPr txBox="1"/>
           <p:nvPr>
             <p:ph idx="1" type="body"/>
@@ -18578,7 +18578,7 @@
             </a:endParaRPr>
           </a:p>
           <a:p>
-            <a:pPr indent="457200" lvl="0" marL="0" rtl="0" algn="l">
+            <a:pPr indent="0" lvl="0" marL="0" rtl="0" algn="l">
               <a:lnSpc>
                 <a:spcPct val="100000"/>
               </a:lnSpc>
@@ -18613,7 +18613,7 @@
             </a:endParaRPr>
           </a:p>
           <a:p>
-            <a:pPr indent="457200" lvl="0" marL="0" rtl="0" algn="l">
+            <a:pPr indent="0" lvl="0" marL="0" rtl="0" algn="l">
               <a:lnSpc>
                 <a:spcPct val="100000"/>
               </a:lnSpc>
@@ -18753,36 +18753,8 @@
         </p:blipFill>
         <p:spPr>
           <a:xfrm>
-            <a:off x="3319500" y="390650"/>
-            <a:ext cx="5824498" cy="1747349"/>
-          </a:xfrm>
-          <a:prstGeom prst="rect">
-            <a:avLst/>
-          </a:prstGeom>
-          <a:noFill/>
-          <a:ln>
-            <a:noFill/>
-          </a:ln>
-        </p:spPr>
-      </p:pic>
-      <p:pic>
-        <p:nvPicPr>
-          <p:cNvPr id="378" name="Google Shape;378;p24"/>
-          <p:cNvPicPr preferRelativeResize="0"/>
-          <p:nvPr/>
-        </p:nvPicPr>
-        <p:blipFill>
-          <a:blip r:embed="rId4">
-            <a:alphaModFix/>
-          </a:blip>
-          <a:stretch>
-            <a:fillRect/>
-          </a:stretch>
-        </p:blipFill>
-        <p:spPr>
-          <a:xfrm>
-            <a:off x="3319500" y="2597825"/>
-            <a:ext cx="5824498" cy="1747349"/>
+            <a:off x="2528800" y="1209675"/>
+            <a:ext cx="7168622" cy="2150576"/>
           </a:xfrm>
           <a:prstGeom prst="rect">
             <a:avLst/>
@@ -18806,7 +18778,7 @@
   <p:cSld>
     <p:spTree>
       <p:nvGrpSpPr>
-        <p:cNvPr id="382" name="Shape 382"/>
+        <p:cNvPr id="381" name="Shape 381"/>
         <p:cNvGrpSpPr/>
         <p:nvPr/>
       </p:nvGrpSpPr>
@@ -18820,7 +18792,7 @@
       </p:grpSpPr>
       <p:sp>
         <p:nvSpPr>
-          <p:cNvPr id="383" name="Google Shape;383;p25"/>
+          <p:cNvPr id="382" name="Google Shape;382;p25"/>
           <p:cNvSpPr txBox="1"/>
           <p:nvPr>
             <p:ph type="title"/>
@@ -18875,7 +18847,7 @@
       </p:sp>
       <p:pic>
         <p:nvPicPr>
-          <p:cNvPr id="384" name="Google Shape;384;p25"/>
+          <p:cNvPr id="383" name="Google Shape;383;p25"/>
           <p:cNvPicPr preferRelativeResize="0"/>
           <p:nvPr/>
         </p:nvPicPr>
@@ -18903,7 +18875,7 @@
       </p:pic>
       <p:pic>
         <p:nvPicPr>
-          <p:cNvPr id="385" name="Google Shape;385;p25"/>
+          <p:cNvPr id="384" name="Google Shape;384;p25"/>
           <p:cNvPicPr preferRelativeResize="0"/>
           <p:nvPr/>
         </p:nvPicPr>
@@ -18931,7 +18903,7 @@
       </p:pic>
       <p:graphicFrame>
         <p:nvGraphicFramePr>
-          <p:cNvPr id="386" name="Google Shape;386;p25"/>
+          <p:cNvPr id="385" name="Google Shape;385;p25"/>
           <p:cNvGraphicFramePr/>
           <p:nvPr/>
         </p:nvGraphicFramePr>
@@ -18944,7 +18916,7 @@
             <a:tbl>
               <a:tblPr>
                 <a:noFill/>
-                <a:tableStyleId>{7A66C956-CCF6-4E2A-8278-BD96F45607B6}</a:tableStyleId>
+                <a:tableStyleId>{4A5CA761-BB8F-48B0-BD22-6F9D118AA38D}</a:tableStyleId>
               </a:tblPr>
               <a:tblGrid>
                 <a:gridCol w="2413000"/>
@@ -19252,7 +19224,7 @@
   <p:cSld>
     <p:spTree>
       <p:nvGrpSpPr>
-        <p:cNvPr id="390" name="Shape 390"/>
+        <p:cNvPr id="389" name="Shape 389"/>
         <p:cNvGrpSpPr/>
         <p:nvPr/>
       </p:nvGrpSpPr>
@@ -19266,7 +19238,7 @@
       </p:grpSpPr>
       <p:sp>
         <p:nvSpPr>
-          <p:cNvPr id="391" name="Google Shape;391;p26"/>
+          <p:cNvPr id="390" name="Google Shape;390;p26"/>
           <p:cNvSpPr txBox="1"/>
           <p:nvPr>
             <p:ph type="title"/>
@@ -19321,7 +19293,7 @@
       </p:sp>
       <p:sp>
         <p:nvSpPr>
-          <p:cNvPr id="392" name="Google Shape;392;p26"/>
+          <p:cNvPr id="391" name="Google Shape;391;p26"/>
           <p:cNvSpPr txBox="1"/>
           <p:nvPr>
             <p:ph idx="1" type="body"/>
@@ -19524,7 +19496,7 @@
       </p:sp>
       <p:graphicFrame>
         <p:nvGraphicFramePr>
-          <p:cNvPr id="393" name="Google Shape;393;p26"/>
+          <p:cNvPr id="392" name="Google Shape;392;p26"/>
           <p:cNvGraphicFramePr/>
           <p:nvPr/>
         </p:nvGraphicFramePr>
@@ -19537,7 +19509,7 @@
             <a:tbl>
               <a:tblPr>
                 <a:noFill/>
-                <a:tableStyleId>{7A66C956-CCF6-4E2A-8278-BD96F45607B6}</a:tableStyleId>
+                <a:tableStyleId>{4A5CA761-BB8F-48B0-BD22-6F9D118AA38D}</a:tableStyleId>
               </a:tblPr>
               <a:tblGrid>
                 <a:gridCol w="1206500"/>
@@ -19679,7 +19651,7 @@
                       </a:pPr>
                       <a:r>
                         <a:rPr lang="de"/>
-                        <a:t>train-time</a:t>
+                        <a:t>runtime</a:t>
                       </a:r>
                       <a:endParaRPr/>
                     </a:p>
@@ -20124,7 +20096,7 @@
   <p:cSld>
     <p:spTree>
       <p:nvGrpSpPr>
-        <p:cNvPr id="397" name="Shape 397"/>
+        <p:cNvPr id="396" name="Shape 396"/>
         <p:cNvGrpSpPr/>
         <p:nvPr/>
       </p:nvGrpSpPr>
@@ -20138,7 +20110,7 @@
       </p:grpSpPr>
       <p:sp>
         <p:nvSpPr>
-          <p:cNvPr id="398" name="Google Shape;398;p27"/>
+          <p:cNvPr id="397" name="Google Shape;397;p27"/>
           <p:cNvSpPr txBox="1"/>
           <p:nvPr>
             <p:ph type="title"/>
@@ -20189,7 +20161,7 @@
   <p:cSld>
     <p:spTree>
       <p:nvGrpSpPr>
-        <p:cNvPr id="402" name="Shape 402"/>
+        <p:cNvPr id="401" name="Shape 401"/>
         <p:cNvGrpSpPr/>
         <p:nvPr/>
       </p:nvGrpSpPr>
@@ -20203,7 +20175,7 @@
       </p:grpSpPr>
       <p:sp>
         <p:nvSpPr>
-          <p:cNvPr id="403" name="Google Shape;403;p28"/>
+          <p:cNvPr id="402" name="Google Shape;402;p28"/>
           <p:cNvSpPr txBox="1"/>
           <p:nvPr>
             <p:ph type="title"/>
@@ -20243,7 +20215,7 @@
       </p:sp>
       <p:sp>
         <p:nvSpPr>
-          <p:cNvPr id="404" name="Google Shape;404;p28"/>
+          <p:cNvPr id="403" name="Google Shape;403;p28"/>
           <p:cNvSpPr txBox="1"/>
           <p:nvPr>
             <p:ph idx="1" type="body"/>
@@ -20570,7 +20542,7 @@
       </p:sp>
       <p:pic>
         <p:nvPicPr>
-          <p:cNvPr id="405" name="Google Shape;405;p28"/>
+          <p:cNvPr id="404" name="Google Shape;404;p28"/>
           <p:cNvPicPr preferRelativeResize="0"/>
           <p:nvPr/>
         </p:nvPicPr>
@@ -20609,7 +20581,7 @@
   <p:cSld>
     <p:spTree>
       <p:nvGrpSpPr>
-        <p:cNvPr id="409" name="Shape 409"/>
+        <p:cNvPr id="408" name="Shape 408"/>
         <p:cNvGrpSpPr/>
         <p:nvPr/>
       </p:nvGrpSpPr>
@@ -20623,7 +20595,7 @@
       </p:grpSpPr>
       <p:sp>
         <p:nvSpPr>
-          <p:cNvPr id="410" name="Google Shape;410;p29"/>
+          <p:cNvPr id="409" name="Google Shape;409;p29"/>
           <p:cNvSpPr txBox="1"/>
           <p:nvPr>
             <p:ph type="title"/>
@@ -20678,7 +20650,7 @@
       </p:sp>
       <p:sp>
         <p:nvSpPr>
-          <p:cNvPr id="411" name="Google Shape;411;p29"/>
+          <p:cNvPr id="410" name="Google Shape;410;p29"/>
           <p:cNvSpPr txBox="1"/>
           <p:nvPr>
             <p:ph idx="1" type="body"/>
@@ -20937,7 +20909,7 @@
       </p:sp>
       <p:pic>
         <p:nvPicPr>
-          <p:cNvPr id="412" name="Google Shape;412;p29"/>
+          <p:cNvPr id="411" name="Google Shape;411;p29"/>
           <p:cNvPicPr preferRelativeResize="0"/>
           <p:nvPr/>
         </p:nvPicPr>
@@ -20965,7 +20937,7 @@
       </p:pic>
       <p:graphicFrame>
         <p:nvGraphicFramePr>
-          <p:cNvPr id="413" name="Google Shape;413;p29"/>
+          <p:cNvPr id="412" name="Google Shape;412;p29"/>
           <p:cNvGraphicFramePr/>
           <p:nvPr/>
         </p:nvGraphicFramePr>
@@ -20978,7 +20950,7 @@
             <a:tbl>
               <a:tblPr>
                 <a:noFill/>
-                <a:tableStyleId>{7A66C956-CCF6-4E2A-8278-BD96F45607B6}</a:tableStyleId>
+                <a:tableStyleId>{4A5CA761-BB8F-48B0-BD22-6F9D118AA38D}</a:tableStyleId>
               </a:tblPr>
               <a:tblGrid>
                 <a:gridCol w="1447800"/>
@@ -21238,7 +21210,7 @@
   <p:cSld>
     <p:spTree>
       <p:nvGrpSpPr>
-        <p:cNvPr id="417" name="Shape 417"/>
+        <p:cNvPr id="416" name="Shape 416"/>
         <p:cNvGrpSpPr/>
         <p:nvPr/>
       </p:nvGrpSpPr>
@@ -21252,7 +21224,7 @@
       </p:grpSpPr>
       <p:sp>
         <p:nvSpPr>
-          <p:cNvPr id="418" name="Google Shape;418;p30"/>
+          <p:cNvPr id="417" name="Google Shape;417;p30"/>
           <p:cNvSpPr txBox="1"/>
           <p:nvPr>
             <p:ph type="title"/>
@@ -21284,7 +21256,7 @@
             </a:pPr>
             <a:r>
               <a:rPr lang="de"/>
-              <a:t>Results RM</a:t>
+              <a:t>Results RFC</a:t>
             </a:r>
             <a:endParaRPr/>
           </a:p>
@@ -21307,7 +21279,7 @@
       </p:sp>
       <p:sp>
         <p:nvSpPr>
-          <p:cNvPr id="419" name="Google Shape;419;p30"/>
+          <p:cNvPr id="418" name="Google Shape;418;p30"/>
           <p:cNvSpPr txBox="1"/>
           <p:nvPr>
             <p:ph idx="1" type="body"/>
@@ -21581,7 +21553,7 @@
       </p:sp>
       <p:graphicFrame>
         <p:nvGraphicFramePr>
-          <p:cNvPr id="420" name="Google Shape;420;p30"/>
+          <p:cNvPr id="419" name="Google Shape;419;p30"/>
           <p:cNvGraphicFramePr/>
           <p:nvPr/>
         </p:nvGraphicFramePr>
@@ -21594,7 +21566,7 @@
             <a:tbl>
               <a:tblPr>
                 <a:noFill/>
-                <a:tableStyleId>{7A66C956-CCF6-4E2A-8278-BD96F45607B6}</a:tableStyleId>
+                <a:tableStyleId>{4A5CA761-BB8F-48B0-BD22-6F9D118AA38D}</a:tableStyleId>
               </a:tblPr>
               <a:tblGrid>
                 <a:gridCol w="1447800"/>
@@ -21829,7 +21801,7 @@
                       </a:pPr>
                       <a:r>
                         <a:rPr lang="de"/>
-                        <a:t>4.402ms</a:t>
+                        <a:t>4.402s</a:t>
                       </a:r>
                       <a:endParaRPr/>
                     </a:p>
@@ -21843,7 +21815,7 @@
       </p:graphicFrame>
       <p:pic>
         <p:nvPicPr>
-          <p:cNvPr id="421" name="Google Shape;421;p30"/>
+          <p:cNvPr id="420" name="Google Shape;420;p30"/>
           <p:cNvPicPr preferRelativeResize="0"/>
           <p:nvPr/>
         </p:nvPicPr>
@@ -21882,7 +21854,7 @@
   <p:cSld>
     <p:spTree>
       <p:nvGrpSpPr>
-        <p:cNvPr id="425" name="Shape 425"/>
+        <p:cNvPr id="424" name="Shape 424"/>
         <p:cNvGrpSpPr/>
         <p:nvPr/>
       </p:nvGrpSpPr>
@@ -21896,7 +21868,7 @@
       </p:grpSpPr>
       <p:sp>
         <p:nvSpPr>
-          <p:cNvPr id="426" name="Google Shape;426;p31"/>
+          <p:cNvPr id="425" name="Google Shape;425;p31"/>
           <p:cNvSpPr txBox="1"/>
           <p:nvPr>
             <p:ph type="title"/>
@@ -21951,7 +21923,7 @@
       </p:sp>
       <p:sp>
         <p:nvSpPr>
-          <p:cNvPr id="427" name="Google Shape;427;p31"/>
+          <p:cNvPr id="426" name="Google Shape;426;p31"/>
           <p:cNvSpPr txBox="1"/>
           <p:nvPr>
             <p:ph idx="1" type="body"/>
@@ -22038,7 +22010,22 @@
                 <a:cs typeface="Arial"/>
                 <a:sym typeface="Arial"/>
               </a:rPr>
-              <a:t>sqrt/log2 or gini/entropy</a:t>
+              <a:t>adam</a:t>
+            </a:r>
+            <a:r>
+              <a:rPr lang="de" sz="1700">
+                <a:solidFill>
+                  <a:srgbClr val="000000"/>
+                </a:solidFill>
+                <a:highlight>
+                  <a:srgbClr val="FFFFFF"/>
+                </a:highlight>
+                <a:latin typeface="Arial"/>
+                <a:ea typeface="Arial"/>
+                <a:cs typeface="Arial"/>
+                <a:sym typeface="Arial"/>
+              </a:rPr>
+              <a:t>/lbfgs or tanh/relu</a:t>
             </a:r>
             <a:endParaRPr sz="1700">
               <a:solidFill>
@@ -22251,7 +22238,7 @@
       </p:sp>
       <p:graphicFrame>
         <p:nvGraphicFramePr>
-          <p:cNvPr id="428" name="Google Shape;428;p31"/>
+          <p:cNvPr id="427" name="Google Shape;427;p31"/>
           <p:cNvGraphicFramePr/>
           <p:nvPr/>
         </p:nvGraphicFramePr>
@@ -22264,7 +22251,7 @@
             <a:tbl>
               <a:tblPr>
                 <a:noFill/>
-                <a:tableStyleId>{7A66C956-CCF6-4E2A-8278-BD96F45607B6}</a:tableStyleId>
+                <a:tableStyleId>{4A5CA761-BB8F-48B0-BD22-6F9D118AA38D}</a:tableStyleId>
               </a:tblPr>
               <a:tblGrid>
                 <a:gridCol w="1447800"/>
@@ -22503,7 +22490,7 @@
                       </a:r>
                       <a:r>
                         <a:rPr lang="de"/>
-                        <a:t>ms</a:t>
+                        <a:t>s</a:t>
                       </a:r>
                       <a:endParaRPr/>
                     </a:p>
@@ -22517,7 +22504,7 @@
       </p:graphicFrame>
       <p:pic>
         <p:nvPicPr>
-          <p:cNvPr id="429" name="Google Shape;429;p31"/>
+          <p:cNvPr id="428" name="Google Shape;428;p31"/>
           <p:cNvPicPr preferRelativeResize="0"/>
           <p:nvPr/>
         </p:nvPicPr>
@@ -22881,7 +22868,7 @@
             <a:tbl>
               <a:tblPr>
                 <a:noFill/>
-                <a:tableStyleId>{E95DA2B9-407A-4F55-8CA4-7DF68AB882B4}</a:tableStyleId>
+                <a:tableStyleId>{24F6273E-B680-4A30-8A2C-B5FB639303EA}</a:tableStyleId>
               </a:tblPr>
               <a:tblGrid>
                 <a:gridCol w="1079775"/>
@@ -23923,7 +23910,11 @@
                       </a:pPr>
                       <a:r>
                         <a:rPr lang="de" sz="1100"/>
-                        <a:t>40</a:t>
+                        <a:t>5</a:t>
+                      </a:r>
+                      <a:r>
+                        <a:rPr lang="de" sz="1100"/>
+                        <a:t>0</a:t>
                       </a:r>
                       <a:endParaRPr sz="1100"/>
                     </a:p>
@@ -24745,7 +24736,8 @@
                         <a:buNone/>
                       </a:pPr>
                       <a:r>
-                        <a:t/>
+                        <a:rPr lang="de" sz="1100"/>
+                        <a:t>no</a:t>
                       </a:r>
                       <a:endParaRPr sz="1100"/>
                     </a:p>
@@ -24807,7 +24799,7 @@
   <p:cSld>
     <p:spTree>
       <p:nvGrpSpPr>
-        <p:cNvPr id="433" name="Shape 433"/>
+        <p:cNvPr id="432" name="Shape 432"/>
         <p:cNvGrpSpPr/>
         <p:nvPr/>
       </p:nvGrpSpPr>
@@ -24821,7 +24813,7 @@
       </p:grpSpPr>
       <p:sp>
         <p:nvSpPr>
-          <p:cNvPr id="434" name="Google Shape;434;p32"/>
+          <p:cNvPr id="433" name="Google Shape;433;p32"/>
           <p:cNvSpPr txBox="1"/>
           <p:nvPr>
             <p:ph type="title"/>
@@ -24872,7 +24864,7 @@
   <p:cSld>
     <p:spTree>
       <p:nvGrpSpPr>
-        <p:cNvPr id="438" name="Shape 438"/>
+        <p:cNvPr id="437" name="Shape 437"/>
         <p:cNvGrpSpPr/>
         <p:nvPr/>
       </p:nvGrpSpPr>
@@ -24886,7 +24878,7 @@
       </p:grpSpPr>
       <p:sp>
         <p:nvSpPr>
-          <p:cNvPr id="439" name="Google Shape;439;p33"/>
+          <p:cNvPr id="438" name="Google Shape;438;p33"/>
           <p:cNvSpPr txBox="1"/>
           <p:nvPr>
             <p:ph idx="4294967295" type="title"/>
@@ -24941,7 +24933,7 @@
       </p:sp>
       <p:sp>
         <p:nvSpPr>
-          <p:cNvPr id="440" name="Google Shape;440;p33"/>
+          <p:cNvPr id="439" name="Google Shape;439;p33"/>
           <p:cNvSpPr txBox="1"/>
           <p:nvPr>
             <p:ph idx="4294967295" type="body"/>
@@ -25210,7 +25202,7 @@
       </p:sp>
       <p:pic>
         <p:nvPicPr>
-          <p:cNvPr id="441" name="Google Shape;441;p33"/>
+          <p:cNvPr id="440" name="Google Shape;440;p33"/>
           <p:cNvPicPr preferRelativeResize="0"/>
           <p:nvPr/>
         </p:nvPicPr>
@@ -25249,7 +25241,7 @@
   <p:cSld>
     <p:spTree>
       <p:nvGrpSpPr>
-        <p:cNvPr id="445" name="Shape 445"/>
+        <p:cNvPr id="444" name="Shape 444"/>
         <p:cNvGrpSpPr/>
         <p:nvPr/>
       </p:nvGrpSpPr>
@@ -25263,7 +25255,7 @@
       </p:grpSpPr>
       <p:sp>
         <p:nvSpPr>
-          <p:cNvPr id="446" name="Google Shape;446;p34"/>
+          <p:cNvPr id="445" name="Google Shape;445;p34"/>
           <p:cNvSpPr txBox="1"/>
           <p:nvPr>
             <p:ph idx="4294967295" type="title"/>
@@ -25318,7 +25310,7 @@
       </p:sp>
       <p:pic>
         <p:nvPicPr>
-          <p:cNvPr id="447" name="Google Shape;447;p34"/>
+          <p:cNvPr id="446" name="Google Shape;446;p34"/>
           <p:cNvPicPr preferRelativeResize="0"/>
           <p:nvPr/>
         </p:nvPicPr>
@@ -25346,7 +25338,7 @@
       </p:pic>
       <p:cxnSp>
         <p:nvCxnSpPr>
-          <p:cNvPr id="448" name="Google Shape;448;p34"/>
+          <p:cNvPr id="447" name="Google Shape;447;p34"/>
           <p:cNvCxnSpPr/>
           <p:nvPr/>
         </p:nvCxnSpPr>
@@ -25372,7 +25364,7 @@
       </p:cxnSp>
       <p:sp>
         <p:nvSpPr>
-          <p:cNvPr id="449" name="Google Shape;449;p34"/>
+          <p:cNvPr id="448" name="Google Shape;448;p34"/>
           <p:cNvSpPr txBox="1"/>
           <p:nvPr/>
         </p:nvSpPr>
@@ -25424,7 +25416,7 @@
       </p:sp>
       <p:sp>
         <p:nvSpPr>
-          <p:cNvPr id="450" name="Google Shape;450;p34"/>
+          <p:cNvPr id="449" name="Google Shape;449;p34"/>
           <p:cNvSpPr/>
           <p:nvPr/>
         </p:nvSpPr>
@@ -25474,7 +25466,7 @@
       </p:sp>
       <p:sp>
         <p:nvSpPr>
-          <p:cNvPr id="451" name="Google Shape;451;p34"/>
+          <p:cNvPr id="450" name="Google Shape;450;p34"/>
           <p:cNvSpPr txBox="1"/>
           <p:nvPr/>
         </p:nvSpPr>
@@ -25526,7 +25518,7 @@
       </p:sp>
       <p:sp>
         <p:nvSpPr>
-          <p:cNvPr id="452" name="Google Shape;452;p34"/>
+          <p:cNvPr id="451" name="Google Shape;451;p34"/>
           <p:cNvSpPr txBox="1"/>
           <p:nvPr/>
         </p:nvSpPr>
@@ -25589,7 +25581,7 @@
   <p:cSld>
     <p:spTree>
       <p:nvGrpSpPr>
-        <p:cNvPr id="456" name="Shape 456"/>
+        <p:cNvPr id="455" name="Shape 455"/>
         <p:cNvGrpSpPr/>
         <p:nvPr/>
       </p:nvGrpSpPr>
@@ -25603,7 +25595,7 @@
       </p:grpSpPr>
       <p:sp>
         <p:nvSpPr>
-          <p:cNvPr id="457" name="Google Shape;457;p35"/>
+          <p:cNvPr id="456" name="Google Shape;456;p35"/>
           <p:cNvSpPr txBox="1"/>
           <p:nvPr>
             <p:ph idx="4294967295" type="title"/>
@@ -25658,7 +25650,7 @@
       </p:sp>
       <p:graphicFrame>
         <p:nvGraphicFramePr>
-          <p:cNvPr id="458" name="Google Shape;458;p35"/>
+          <p:cNvPr id="457" name="Google Shape;457;p35"/>
           <p:cNvGraphicFramePr/>
           <p:nvPr/>
         </p:nvGraphicFramePr>
@@ -25671,7 +25663,7 @@
             <a:tbl>
               <a:tblPr>
                 <a:noFill/>
-                <a:tableStyleId>{7A66C956-CCF6-4E2A-8278-BD96F45607B6}</a:tableStyleId>
+                <a:tableStyleId>{4A5CA761-BB8F-48B0-BD22-6F9D118AA38D}</a:tableStyleId>
               </a:tblPr>
               <a:tblGrid>
                 <a:gridCol w="683375"/>
@@ -25970,7 +25962,7 @@
       </p:graphicFrame>
       <p:sp>
         <p:nvSpPr>
-          <p:cNvPr id="459" name="Google Shape;459;p35"/>
+          <p:cNvPr id="458" name="Google Shape;458;p35"/>
           <p:cNvSpPr txBox="1"/>
           <p:nvPr/>
         </p:nvSpPr>
@@ -26187,7 +26179,7 @@
   <p:cSld>
     <p:spTree>
       <p:nvGrpSpPr>
-        <p:cNvPr id="463" name="Shape 463"/>
+        <p:cNvPr id="462" name="Shape 462"/>
         <p:cNvGrpSpPr/>
         <p:nvPr/>
       </p:nvGrpSpPr>
@@ -26201,7 +26193,7 @@
       </p:grpSpPr>
       <p:sp>
         <p:nvSpPr>
-          <p:cNvPr id="464" name="Google Shape;464;p36"/>
+          <p:cNvPr id="463" name="Google Shape;463;p36"/>
           <p:cNvSpPr txBox="1"/>
           <p:nvPr>
             <p:ph idx="4294967295" type="title"/>
@@ -26256,7 +26248,7 @@
       </p:sp>
       <p:pic>
         <p:nvPicPr>
-          <p:cNvPr id="465" name="Google Shape;465;p36"/>
+          <p:cNvPr id="464" name="Google Shape;464;p36"/>
           <p:cNvPicPr preferRelativeResize="0"/>
           <p:nvPr/>
         </p:nvPicPr>
@@ -26284,7 +26276,7 @@
       </p:pic>
       <p:pic>
         <p:nvPicPr>
-          <p:cNvPr id="466" name="Google Shape;466;p36"/>
+          <p:cNvPr id="465" name="Google Shape;465;p36"/>
           <p:cNvPicPr preferRelativeResize="0"/>
           <p:nvPr/>
         </p:nvPicPr>
@@ -26312,7 +26304,7 @@
       </p:pic>
       <p:sp>
         <p:nvSpPr>
-          <p:cNvPr id="467" name="Google Shape;467;p36"/>
+          <p:cNvPr id="466" name="Google Shape;466;p36"/>
           <p:cNvSpPr txBox="1"/>
           <p:nvPr/>
         </p:nvSpPr>
@@ -26375,7 +26367,7 @@
   <p:cSld>
     <p:spTree>
       <p:nvGrpSpPr>
-        <p:cNvPr id="471" name="Shape 471"/>
+        <p:cNvPr id="470" name="Shape 470"/>
         <p:cNvGrpSpPr/>
         <p:nvPr/>
       </p:nvGrpSpPr>
@@ -26389,7 +26381,7 @@
       </p:grpSpPr>
       <p:sp>
         <p:nvSpPr>
-          <p:cNvPr id="472" name="Google Shape;472;p37"/>
+          <p:cNvPr id="471" name="Google Shape;471;p37"/>
           <p:cNvSpPr txBox="1"/>
           <p:nvPr>
             <p:ph idx="4294967295" type="title"/>
@@ -26444,7 +26436,7 @@
       </p:sp>
       <p:pic>
         <p:nvPicPr>
-          <p:cNvPr id="473" name="Google Shape;473;p37"/>
+          <p:cNvPr id="472" name="Google Shape;472;p37"/>
           <p:cNvPicPr preferRelativeResize="0"/>
           <p:nvPr/>
         </p:nvPicPr>
@@ -26472,7 +26464,7 @@
       </p:pic>
       <p:pic>
         <p:nvPicPr>
-          <p:cNvPr id="474" name="Google Shape;474;p37"/>
+          <p:cNvPr id="473" name="Google Shape;473;p37"/>
           <p:cNvPicPr preferRelativeResize="0"/>
           <p:nvPr/>
         </p:nvPicPr>
@@ -26500,7 +26492,7 @@
       </p:pic>
       <p:sp>
         <p:nvSpPr>
-          <p:cNvPr id="475" name="Google Shape;475;p37"/>
+          <p:cNvPr id="474" name="Google Shape;474;p37"/>
           <p:cNvSpPr txBox="1"/>
           <p:nvPr/>
         </p:nvSpPr>
@@ -26563,7 +26555,7 @@
   <p:cSld>
     <p:spTree>
       <p:nvGrpSpPr>
-        <p:cNvPr id="479" name="Shape 479"/>
+        <p:cNvPr id="478" name="Shape 478"/>
         <p:cNvGrpSpPr/>
         <p:nvPr/>
       </p:nvGrpSpPr>
@@ -26577,7 +26569,7 @@
       </p:grpSpPr>
       <p:sp>
         <p:nvSpPr>
-          <p:cNvPr id="480" name="Google Shape;480;p38"/>
+          <p:cNvPr id="479" name="Google Shape;479;p38"/>
           <p:cNvSpPr txBox="1"/>
           <p:nvPr>
             <p:ph idx="4294967295" type="title"/>
@@ -26632,7 +26624,7 @@
       </p:sp>
       <p:pic>
         <p:nvPicPr>
-          <p:cNvPr id="481" name="Google Shape;481;p38"/>
+          <p:cNvPr id="480" name="Google Shape;480;p38"/>
           <p:cNvPicPr preferRelativeResize="0"/>
           <p:nvPr/>
         </p:nvPicPr>
@@ -26660,7 +26652,7 @@
       </p:pic>
       <p:sp>
         <p:nvSpPr>
-          <p:cNvPr id="482" name="Google Shape;482;p38"/>
+          <p:cNvPr id="481" name="Google Shape;481;p38"/>
           <p:cNvSpPr txBox="1"/>
           <p:nvPr/>
         </p:nvSpPr>
@@ -26876,7 +26868,7 @@
       </p:sp>
       <p:graphicFrame>
         <p:nvGraphicFramePr>
-          <p:cNvPr id="483" name="Google Shape;483;p38"/>
+          <p:cNvPr id="482" name="Google Shape;482;p38"/>
           <p:cNvGraphicFramePr/>
           <p:nvPr/>
         </p:nvGraphicFramePr>
@@ -26889,7 +26881,7 @@
             <a:tbl>
               <a:tblPr>
                 <a:noFill/>
-                <a:tableStyleId>{7A66C956-CCF6-4E2A-8278-BD96F45607B6}</a:tableStyleId>
+                <a:tableStyleId>{4A5CA761-BB8F-48B0-BD22-6F9D118AA38D}</a:tableStyleId>
               </a:tblPr>
               <a:tblGrid>
                 <a:gridCol w="634475"/>
@@ -27199,7 +27191,7 @@
   <p:cSld>
     <p:spTree>
       <p:nvGrpSpPr>
-        <p:cNvPr id="487" name="Shape 487"/>
+        <p:cNvPr id="486" name="Shape 486"/>
         <p:cNvGrpSpPr/>
         <p:nvPr/>
       </p:nvGrpSpPr>
@@ -27213,7 +27205,7 @@
       </p:grpSpPr>
       <p:sp>
         <p:nvSpPr>
-          <p:cNvPr id="488" name="Google Shape;488;p39"/>
+          <p:cNvPr id="487" name="Google Shape;487;p39"/>
           <p:cNvSpPr txBox="1"/>
           <p:nvPr>
             <p:ph type="title"/>
@@ -27253,7 +27245,7 @@
       </p:sp>
       <p:sp>
         <p:nvSpPr>
-          <p:cNvPr id="489" name="Google Shape;489;p39"/>
+          <p:cNvPr id="488" name="Google Shape;488;p39"/>
           <p:cNvSpPr txBox="1"/>
           <p:nvPr>
             <p:ph idx="2" type="body"/>
@@ -27371,7 +27363,7 @@
       </p:sp>
       <p:pic>
         <p:nvPicPr>
-          <p:cNvPr id="490" name="Google Shape;490;p39"/>
+          <p:cNvPr id="489" name="Google Shape;489;p39"/>
           <p:cNvPicPr preferRelativeResize="0"/>
           <p:nvPr/>
         </p:nvPicPr>
@@ -27399,7 +27391,7 @@
       </p:pic>
       <p:pic>
         <p:nvPicPr>
-          <p:cNvPr id="491" name="Google Shape;491;p39"/>
+          <p:cNvPr id="490" name="Google Shape;490;p39"/>
           <p:cNvPicPr preferRelativeResize="0"/>
           <p:nvPr/>
         </p:nvPicPr>
@@ -27427,7 +27419,7 @@
       </p:pic>
       <p:pic>
         <p:nvPicPr>
-          <p:cNvPr id="492" name="Google Shape;492;p39"/>
+          <p:cNvPr id="491" name="Google Shape;491;p39"/>
           <p:cNvPicPr preferRelativeResize="0"/>
           <p:nvPr/>
         </p:nvPicPr>
@@ -27455,7 +27447,7 @@
       </p:pic>
       <p:pic>
         <p:nvPicPr>
-          <p:cNvPr id="493" name="Google Shape;493;p39"/>
+          <p:cNvPr id="492" name="Google Shape;492;p39"/>
           <p:cNvPicPr preferRelativeResize="0"/>
           <p:nvPr/>
         </p:nvPicPr>
